--- a/services/documentation/content/2-functional-documentation/use_cases/uc_navigation_menu/uc2_header/images/Create new organization.pptx
+++ b/services/documentation/content/2-functional-documentation/use_cases/uc_navigation_menu/uc2_header/images/Create new organization.pptx
@@ -12,6 +12,7 @@
     <p:sldId id="260" r:id="rId6"/>
     <p:sldId id="261" r:id="rId7"/>
     <p:sldId id="262" r:id="rId8"/>
+    <p:sldId id="263" r:id="rId9"/>
   </p:sldIdLst>
   <p:sldSz cx="12192000" cy="6858000"/>
   <p:notesSz cx="6858000" cy="9144000"/>
@@ -110,6 +111,11 @@
       </a:defRPr>
     </a:lvl9pPr>
   </p:defaultTextStyle>
+  <p:extLst>
+    <p:ext uri="{EFAFB233-063F-42B5-8137-9DF3F51BA10A}">
+      <p15:sldGuideLst xmlns:p15="http://schemas.microsoft.com/office/powerpoint/2012/main"/>
+    </p:ext>
+  </p:extLst>
 </p:presentation>
 </file>
 
@@ -260,7 +266,7 @@
           <a:p>
             <a:fld id="{2A96524B-D42B-4755-AF1B-D5286D88505C}" type="datetimeFigureOut">
               <a:rPr lang="en-US" smtClean="0"/>
-              <a:t>4/28/2025</a:t>
+              <a:t>7/9/2025</a:t>
             </a:fld>
             <a:endParaRPr lang="en-US"/>
           </a:p>
@@ -458,7 +464,7 @@
           <a:p>
             <a:fld id="{2A96524B-D42B-4755-AF1B-D5286D88505C}" type="datetimeFigureOut">
               <a:rPr lang="en-US" smtClean="0"/>
-              <a:t>4/28/2025</a:t>
+              <a:t>7/9/2025</a:t>
             </a:fld>
             <a:endParaRPr lang="en-US"/>
           </a:p>
@@ -666,7 +672,7 @@
           <a:p>
             <a:fld id="{2A96524B-D42B-4755-AF1B-D5286D88505C}" type="datetimeFigureOut">
               <a:rPr lang="en-US" smtClean="0"/>
-              <a:t>4/28/2025</a:t>
+              <a:t>7/9/2025</a:t>
             </a:fld>
             <a:endParaRPr lang="en-US"/>
           </a:p>
@@ -864,7 +870,7 @@
           <a:p>
             <a:fld id="{2A96524B-D42B-4755-AF1B-D5286D88505C}" type="datetimeFigureOut">
               <a:rPr lang="en-US" smtClean="0"/>
-              <a:t>4/28/2025</a:t>
+              <a:t>7/9/2025</a:t>
             </a:fld>
             <a:endParaRPr lang="en-US"/>
           </a:p>
@@ -1139,7 +1145,7 @@
           <a:p>
             <a:fld id="{2A96524B-D42B-4755-AF1B-D5286D88505C}" type="datetimeFigureOut">
               <a:rPr lang="en-US" smtClean="0"/>
-              <a:t>4/28/2025</a:t>
+              <a:t>7/9/2025</a:t>
             </a:fld>
             <a:endParaRPr lang="en-US"/>
           </a:p>
@@ -1404,7 +1410,7 @@
           <a:p>
             <a:fld id="{2A96524B-D42B-4755-AF1B-D5286D88505C}" type="datetimeFigureOut">
               <a:rPr lang="en-US" smtClean="0"/>
-              <a:t>4/28/2025</a:t>
+              <a:t>7/9/2025</a:t>
             </a:fld>
             <a:endParaRPr lang="en-US"/>
           </a:p>
@@ -1816,7 +1822,7 @@
           <a:p>
             <a:fld id="{2A96524B-D42B-4755-AF1B-D5286D88505C}" type="datetimeFigureOut">
               <a:rPr lang="en-US" smtClean="0"/>
-              <a:t>4/28/2025</a:t>
+              <a:t>7/9/2025</a:t>
             </a:fld>
             <a:endParaRPr lang="en-US"/>
           </a:p>
@@ -1957,7 +1963,7 @@
           <a:p>
             <a:fld id="{2A96524B-D42B-4755-AF1B-D5286D88505C}" type="datetimeFigureOut">
               <a:rPr lang="en-US" smtClean="0"/>
-              <a:t>4/28/2025</a:t>
+              <a:t>7/9/2025</a:t>
             </a:fld>
             <a:endParaRPr lang="en-US"/>
           </a:p>
@@ -2070,7 +2076,7 @@
           <a:p>
             <a:fld id="{2A96524B-D42B-4755-AF1B-D5286D88505C}" type="datetimeFigureOut">
               <a:rPr lang="en-US" smtClean="0"/>
-              <a:t>4/28/2025</a:t>
+              <a:t>7/9/2025</a:t>
             </a:fld>
             <a:endParaRPr lang="en-US"/>
           </a:p>
@@ -2381,7 +2387,7 @@
           <a:p>
             <a:fld id="{2A96524B-D42B-4755-AF1B-D5286D88505C}" type="datetimeFigureOut">
               <a:rPr lang="en-US" smtClean="0"/>
-              <a:t>4/28/2025</a:t>
+              <a:t>7/9/2025</a:t>
             </a:fld>
             <a:endParaRPr lang="en-US"/>
           </a:p>
@@ -2669,7 +2675,7 @@
           <a:p>
             <a:fld id="{2A96524B-D42B-4755-AF1B-D5286D88505C}" type="datetimeFigureOut">
               <a:rPr lang="en-US" smtClean="0"/>
-              <a:t>4/28/2025</a:t>
+              <a:t>7/9/2025</a:t>
             </a:fld>
             <a:endParaRPr lang="en-US"/>
           </a:p>
@@ -2910,7 +2916,7 @@
           <a:p>
             <a:fld id="{2A96524B-D42B-4755-AF1B-D5286D88505C}" type="datetimeFigureOut">
               <a:rPr lang="en-US" smtClean="0"/>
-              <a:t>4/28/2025</a:t>
+              <a:t>7/9/2025</a:t>
             </a:fld>
             <a:endParaRPr lang="en-US"/>
           </a:p>
@@ -3553,7 +3559,7 @@
           <a:p>
             <a:pPr algn="ctr"/>
             <a:r>
-              <a:rPr lang="fr-FR" sz="1400"/>
+              <a:rPr lang="fr-FR" sz="1400" dirty="0"/>
               <a:t>1</a:t>
             </a:r>
           </a:p>
@@ -4713,6 +4719,855 @@
     <p:extLst>
       <p:ext uri="{BB962C8B-B14F-4D97-AF65-F5344CB8AC3E}">
         <p14:creationId xmlns:p14="http://schemas.microsoft.com/office/powerpoint/2010/main" val="1392052203"/>
+      </p:ext>
+    </p:extLst>
+  </p:cSld>
+  <p:clrMapOvr>
+    <a:masterClrMapping/>
+  </p:clrMapOvr>
+</p:sld>
+</file>
+
+<file path=ppt/slides/slide8.xml><?xml version="1.0" encoding="utf-8"?>
+<p:sld xmlns:a="http://schemas.openxmlformats.org/drawingml/2006/main" xmlns:r="http://schemas.openxmlformats.org/officeDocument/2006/relationships" xmlns:p="http://schemas.openxmlformats.org/presentationml/2006/main">
+  <p:cSld>
+    <p:spTree>
+      <p:nvGrpSpPr>
+        <p:cNvPr id="1" name=""/>
+        <p:cNvGrpSpPr/>
+        <p:nvPr/>
+      </p:nvGrpSpPr>
+      <p:grpSpPr>
+        <a:xfrm>
+          <a:off x="0" y="0"/>
+          <a:ext cx="0" cy="0"/>
+          <a:chOff x="0" y="0"/>
+          <a:chExt cx="0" cy="0"/>
+        </a:xfrm>
+      </p:grpSpPr>
+      <p:pic>
+        <p:nvPicPr>
+          <p:cNvPr id="3" name="Picture 2" descr="A screenshot of a computer&#10;&#10;AI-generated content may be incorrect.">
+            <a:extLst>
+              <a:ext uri="{FF2B5EF4-FFF2-40B4-BE49-F238E27FC236}">
+                <a16:creationId xmlns:a16="http://schemas.microsoft.com/office/drawing/2014/main" id="{A51178F0-5D0F-201D-BE3F-ED6DE307E2D7}"/>
+              </a:ext>
+            </a:extLst>
+          </p:cNvPr>
+          <p:cNvPicPr>
+            <a:picLocks noChangeAspect="1"/>
+          </p:cNvPicPr>
+          <p:nvPr/>
+        </p:nvPicPr>
+        <p:blipFill>
+          <a:blip r:embed="rId2">
+            <a:extLst>
+              <a:ext uri="{28A0092B-C50C-407E-A947-70E740481C1C}">
+                <a14:useLocalDpi xmlns:a14="http://schemas.microsoft.com/office/drawing/2010/main" val="0"/>
+              </a:ext>
+            </a:extLst>
+          </a:blip>
+          <a:srcRect t="18367"/>
+          <a:stretch/>
+        </p:blipFill>
+        <p:spPr>
+          <a:xfrm>
+            <a:off x="0" y="816428"/>
+            <a:ext cx="12192000" cy="5225143"/>
+          </a:xfrm>
+          <a:prstGeom prst="rect">
+            <a:avLst/>
+          </a:prstGeom>
+        </p:spPr>
+      </p:pic>
+      <p:sp>
+        <p:nvSpPr>
+          <p:cNvPr id="5" name="Rectangle : coins arrondis 4">
+            <a:extLst>
+              <a:ext uri="{FF2B5EF4-FFF2-40B4-BE49-F238E27FC236}">
+                <a16:creationId xmlns:a16="http://schemas.microsoft.com/office/drawing/2014/main" id="{5DF7667F-01AC-6343-EF76-090005FA473D}"/>
+              </a:ext>
+            </a:extLst>
+          </p:cNvPr>
+          <p:cNvSpPr/>
+          <p:nvPr/>
+        </p:nvSpPr>
+        <p:spPr>
+          <a:xfrm>
+            <a:off x="8449922" y="974053"/>
+            <a:ext cx="195803" cy="166442"/>
+          </a:xfrm>
+          <a:prstGeom prst="roundRect">
+            <a:avLst/>
+          </a:prstGeom>
+          <a:solidFill>
+            <a:schemeClr val="accent5"/>
+          </a:solidFill>
+        </p:spPr>
+        <p:style>
+          <a:lnRef idx="2">
+            <a:schemeClr val="accent1">
+              <a:shade val="15000"/>
+            </a:schemeClr>
+          </a:lnRef>
+          <a:fillRef idx="1">
+            <a:schemeClr val="accent1"/>
+          </a:fillRef>
+          <a:effectRef idx="0">
+            <a:schemeClr val="accent1"/>
+          </a:effectRef>
+          <a:fontRef idx="minor">
+            <a:schemeClr val="lt1"/>
+          </a:fontRef>
+        </p:style>
+        <p:txBody>
+          <a:bodyPr rtlCol="0" anchor="ctr"/>
+          <a:lstStyle>
+            <a:defPPr>
+              <a:defRPr lang="fr-FR"/>
+            </a:defPPr>
+            <a:lvl1pPr marL="0" algn="l" defTabSz="914400" rtl="0" eaLnBrk="1" latinLnBrk="0" hangingPunct="1">
+              <a:defRPr sz="1800" kern="1200">
+                <a:solidFill>
+                  <a:schemeClr val="lt1"/>
+                </a:solidFill>
+                <a:latin typeface="+mn-lt"/>
+                <a:ea typeface="+mn-ea"/>
+                <a:cs typeface="+mn-cs"/>
+              </a:defRPr>
+            </a:lvl1pPr>
+            <a:lvl2pPr marL="457200" algn="l" defTabSz="914400" rtl="0" eaLnBrk="1" latinLnBrk="0" hangingPunct="1">
+              <a:defRPr sz="1800" kern="1200">
+                <a:solidFill>
+                  <a:schemeClr val="lt1"/>
+                </a:solidFill>
+                <a:latin typeface="+mn-lt"/>
+                <a:ea typeface="+mn-ea"/>
+                <a:cs typeface="+mn-cs"/>
+              </a:defRPr>
+            </a:lvl2pPr>
+            <a:lvl3pPr marL="914400" algn="l" defTabSz="914400" rtl="0" eaLnBrk="1" latinLnBrk="0" hangingPunct="1">
+              <a:defRPr sz="1800" kern="1200">
+                <a:solidFill>
+                  <a:schemeClr val="lt1"/>
+                </a:solidFill>
+                <a:latin typeface="+mn-lt"/>
+                <a:ea typeface="+mn-ea"/>
+                <a:cs typeface="+mn-cs"/>
+              </a:defRPr>
+            </a:lvl3pPr>
+            <a:lvl4pPr marL="1371600" algn="l" defTabSz="914400" rtl="0" eaLnBrk="1" latinLnBrk="0" hangingPunct="1">
+              <a:defRPr sz="1800" kern="1200">
+                <a:solidFill>
+                  <a:schemeClr val="lt1"/>
+                </a:solidFill>
+                <a:latin typeface="+mn-lt"/>
+                <a:ea typeface="+mn-ea"/>
+                <a:cs typeface="+mn-cs"/>
+              </a:defRPr>
+            </a:lvl4pPr>
+            <a:lvl5pPr marL="1828800" algn="l" defTabSz="914400" rtl="0" eaLnBrk="1" latinLnBrk="0" hangingPunct="1">
+              <a:defRPr sz="1800" kern="1200">
+                <a:solidFill>
+                  <a:schemeClr val="lt1"/>
+                </a:solidFill>
+                <a:latin typeface="+mn-lt"/>
+                <a:ea typeface="+mn-ea"/>
+                <a:cs typeface="+mn-cs"/>
+              </a:defRPr>
+            </a:lvl5pPr>
+            <a:lvl6pPr marL="2286000" algn="l" defTabSz="914400" rtl="0" eaLnBrk="1" latinLnBrk="0" hangingPunct="1">
+              <a:defRPr sz="1800" kern="1200">
+                <a:solidFill>
+                  <a:schemeClr val="lt1"/>
+                </a:solidFill>
+                <a:latin typeface="+mn-lt"/>
+                <a:ea typeface="+mn-ea"/>
+                <a:cs typeface="+mn-cs"/>
+              </a:defRPr>
+            </a:lvl6pPr>
+            <a:lvl7pPr marL="2743200" algn="l" defTabSz="914400" rtl="0" eaLnBrk="1" latinLnBrk="0" hangingPunct="1">
+              <a:defRPr sz="1800" kern="1200">
+                <a:solidFill>
+                  <a:schemeClr val="lt1"/>
+                </a:solidFill>
+                <a:latin typeface="+mn-lt"/>
+                <a:ea typeface="+mn-ea"/>
+                <a:cs typeface="+mn-cs"/>
+              </a:defRPr>
+            </a:lvl7pPr>
+            <a:lvl8pPr marL="3200400" algn="l" defTabSz="914400" rtl="0" eaLnBrk="1" latinLnBrk="0" hangingPunct="1">
+              <a:defRPr sz="1800" kern="1200">
+                <a:solidFill>
+                  <a:schemeClr val="lt1"/>
+                </a:solidFill>
+                <a:latin typeface="+mn-lt"/>
+                <a:ea typeface="+mn-ea"/>
+                <a:cs typeface="+mn-cs"/>
+              </a:defRPr>
+            </a:lvl8pPr>
+            <a:lvl9pPr marL="3657600" algn="l" defTabSz="914400" rtl="0" eaLnBrk="1" latinLnBrk="0" hangingPunct="1">
+              <a:defRPr sz="1800" kern="1200">
+                <a:solidFill>
+                  <a:schemeClr val="lt1"/>
+                </a:solidFill>
+                <a:latin typeface="+mn-lt"/>
+                <a:ea typeface="+mn-ea"/>
+                <a:cs typeface="+mn-cs"/>
+              </a:defRPr>
+            </a:lvl9pPr>
+          </a:lstStyle>
+          <a:p>
+            <a:pPr algn="ctr"/>
+            <a:r>
+              <a:rPr lang="fr-FR" sz="1400" dirty="0"/>
+              <a:t>1</a:t>
+            </a:r>
+          </a:p>
+        </p:txBody>
+      </p:sp>
+      <p:sp>
+        <p:nvSpPr>
+          <p:cNvPr id="6" name="Rectangle 5">
+            <a:extLst>
+              <a:ext uri="{FF2B5EF4-FFF2-40B4-BE49-F238E27FC236}">
+                <a16:creationId xmlns:a16="http://schemas.microsoft.com/office/drawing/2014/main" id="{E038336E-5C73-B675-6724-A540FF0CDCE1}"/>
+              </a:ext>
+            </a:extLst>
+          </p:cNvPr>
+          <p:cNvSpPr/>
+          <p:nvPr/>
+        </p:nvSpPr>
+        <p:spPr>
+          <a:xfrm>
+            <a:off x="8697432" y="1328057"/>
+            <a:ext cx="2562445" cy="711499"/>
+          </a:xfrm>
+          <a:prstGeom prst="rect">
+            <a:avLst/>
+          </a:prstGeom>
+          <a:noFill/>
+          <a:ln>
+            <a:solidFill>
+              <a:srgbClr val="A02B93"/>
+            </a:solidFill>
+          </a:ln>
+        </p:spPr>
+        <p:style>
+          <a:lnRef idx="2">
+            <a:schemeClr val="accent6"/>
+          </a:lnRef>
+          <a:fillRef idx="1">
+            <a:schemeClr val="lt1"/>
+          </a:fillRef>
+          <a:effectRef idx="0">
+            <a:schemeClr val="accent6"/>
+          </a:effectRef>
+          <a:fontRef idx="minor">
+            <a:schemeClr val="dk1"/>
+          </a:fontRef>
+        </p:style>
+        <p:txBody>
+          <a:bodyPr rtlCol="0" anchor="ctr"/>
+          <a:lstStyle/>
+          <a:p>
+            <a:pPr algn="ctr"/>
+            <a:endParaRPr lang="en-US"/>
+          </a:p>
+        </p:txBody>
+      </p:sp>
+      <p:sp>
+        <p:nvSpPr>
+          <p:cNvPr id="7" name="Rectangle 6">
+            <a:extLst>
+              <a:ext uri="{FF2B5EF4-FFF2-40B4-BE49-F238E27FC236}">
+                <a16:creationId xmlns:a16="http://schemas.microsoft.com/office/drawing/2014/main" id="{842A15F3-1D5B-F691-7887-62FC3CF2E7E0}"/>
+              </a:ext>
+            </a:extLst>
+          </p:cNvPr>
+          <p:cNvSpPr/>
+          <p:nvPr/>
+        </p:nvSpPr>
+        <p:spPr>
+          <a:xfrm>
+            <a:off x="8697432" y="2130879"/>
+            <a:ext cx="2562445" cy="711499"/>
+          </a:xfrm>
+          <a:prstGeom prst="rect">
+            <a:avLst/>
+          </a:prstGeom>
+          <a:noFill/>
+          <a:ln>
+            <a:solidFill>
+              <a:srgbClr val="A02B93"/>
+            </a:solidFill>
+          </a:ln>
+        </p:spPr>
+        <p:style>
+          <a:lnRef idx="2">
+            <a:schemeClr val="accent6"/>
+          </a:lnRef>
+          <a:fillRef idx="1">
+            <a:schemeClr val="lt1"/>
+          </a:fillRef>
+          <a:effectRef idx="0">
+            <a:schemeClr val="accent6"/>
+          </a:effectRef>
+          <a:fontRef idx="minor">
+            <a:schemeClr val="dk1"/>
+          </a:fontRef>
+        </p:style>
+        <p:txBody>
+          <a:bodyPr rtlCol="0" anchor="ctr"/>
+          <a:lstStyle/>
+          <a:p>
+            <a:pPr algn="ctr"/>
+            <a:endParaRPr lang="en-US"/>
+          </a:p>
+        </p:txBody>
+      </p:sp>
+      <p:sp>
+        <p:nvSpPr>
+          <p:cNvPr id="8" name="Rectangle 7">
+            <a:extLst>
+              <a:ext uri="{FF2B5EF4-FFF2-40B4-BE49-F238E27FC236}">
+                <a16:creationId xmlns:a16="http://schemas.microsoft.com/office/drawing/2014/main" id="{7F492943-9E4B-02AD-CF58-B03955D0FFE3}"/>
+              </a:ext>
+            </a:extLst>
+          </p:cNvPr>
+          <p:cNvSpPr/>
+          <p:nvPr/>
+        </p:nvSpPr>
+        <p:spPr>
+          <a:xfrm>
+            <a:off x="8697433" y="2933701"/>
+            <a:ext cx="2562446" cy="1138569"/>
+          </a:xfrm>
+          <a:prstGeom prst="rect">
+            <a:avLst/>
+          </a:prstGeom>
+          <a:noFill/>
+          <a:ln>
+            <a:solidFill>
+              <a:srgbClr val="A02B93"/>
+            </a:solidFill>
+          </a:ln>
+        </p:spPr>
+        <p:style>
+          <a:lnRef idx="2">
+            <a:schemeClr val="accent6"/>
+          </a:lnRef>
+          <a:fillRef idx="1">
+            <a:schemeClr val="lt1"/>
+          </a:fillRef>
+          <a:effectRef idx="0">
+            <a:schemeClr val="accent6"/>
+          </a:effectRef>
+          <a:fontRef idx="minor">
+            <a:schemeClr val="dk1"/>
+          </a:fontRef>
+        </p:style>
+        <p:txBody>
+          <a:bodyPr rtlCol="0" anchor="ctr"/>
+          <a:lstStyle/>
+          <a:p>
+            <a:pPr algn="ctr"/>
+            <a:endParaRPr lang="en-US"/>
+          </a:p>
+        </p:txBody>
+      </p:sp>
+      <p:sp>
+        <p:nvSpPr>
+          <p:cNvPr id="9" name="Rectangle 8">
+            <a:extLst>
+              <a:ext uri="{FF2B5EF4-FFF2-40B4-BE49-F238E27FC236}">
+                <a16:creationId xmlns:a16="http://schemas.microsoft.com/office/drawing/2014/main" id="{7A430225-7B2D-3D89-5910-BC02D8E6EC28}"/>
+              </a:ext>
+            </a:extLst>
+          </p:cNvPr>
+          <p:cNvSpPr/>
+          <p:nvPr/>
+        </p:nvSpPr>
+        <p:spPr>
+          <a:xfrm>
+            <a:off x="8697432" y="849085"/>
+            <a:ext cx="1238504" cy="416379"/>
+          </a:xfrm>
+          <a:prstGeom prst="rect">
+            <a:avLst/>
+          </a:prstGeom>
+          <a:noFill/>
+          <a:ln>
+            <a:solidFill>
+              <a:srgbClr val="A02B93"/>
+            </a:solidFill>
+          </a:ln>
+        </p:spPr>
+        <p:style>
+          <a:lnRef idx="2">
+            <a:schemeClr val="accent6"/>
+          </a:lnRef>
+          <a:fillRef idx="1">
+            <a:schemeClr val="lt1"/>
+          </a:fillRef>
+          <a:effectRef idx="0">
+            <a:schemeClr val="accent6"/>
+          </a:effectRef>
+          <a:fontRef idx="minor">
+            <a:schemeClr val="dk1"/>
+          </a:fontRef>
+        </p:style>
+        <p:txBody>
+          <a:bodyPr rtlCol="0" anchor="ctr"/>
+          <a:lstStyle/>
+          <a:p>
+            <a:pPr algn="ctr"/>
+            <a:endParaRPr lang="en-US"/>
+          </a:p>
+        </p:txBody>
+      </p:sp>
+      <p:sp>
+        <p:nvSpPr>
+          <p:cNvPr id="27" name="Rectangle : coins arrondis 4">
+            <a:extLst>
+              <a:ext uri="{FF2B5EF4-FFF2-40B4-BE49-F238E27FC236}">
+                <a16:creationId xmlns:a16="http://schemas.microsoft.com/office/drawing/2014/main" id="{71799B69-6AB9-9014-8C2D-8F6A160590A4}"/>
+              </a:ext>
+            </a:extLst>
+          </p:cNvPr>
+          <p:cNvSpPr/>
+          <p:nvPr/>
+        </p:nvSpPr>
+        <p:spPr>
+          <a:xfrm>
+            <a:off x="8449922" y="2403407"/>
+            <a:ext cx="195803" cy="166442"/>
+          </a:xfrm>
+          <a:prstGeom prst="roundRect">
+            <a:avLst/>
+          </a:prstGeom>
+          <a:solidFill>
+            <a:schemeClr val="accent5"/>
+          </a:solidFill>
+        </p:spPr>
+        <p:style>
+          <a:lnRef idx="2">
+            <a:schemeClr val="accent1">
+              <a:shade val="15000"/>
+            </a:schemeClr>
+          </a:lnRef>
+          <a:fillRef idx="1">
+            <a:schemeClr val="accent1"/>
+          </a:fillRef>
+          <a:effectRef idx="0">
+            <a:schemeClr val="accent1"/>
+          </a:effectRef>
+          <a:fontRef idx="minor">
+            <a:schemeClr val="lt1"/>
+          </a:fontRef>
+        </p:style>
+        <p:txBody>
+          <a:bodyPr rtlCol="0" anchor="ctr"/>
+          <a:lstStyle>
+            <a:defPPr>
+              <a:defRPr lang="fr-FR"/>
+            </a:defPPr>
+            <a:lvl1pPr marL="0" algn="l" defTabSz="914400" rtl="0" eaLnBrk="1" latinLnBrk="0" hangingPunct="1">
+              <a:defRPr sz="1800" kern="1200">
+                <a:solidFill>
+                  <a:schemeClr val="lt1"/>
+                </a:solidFill>
+                <a:latin typeface="+mn-lt"/>
+                <a:ea typeface="+mn-ea"/>
+                <a:cs typeface="+mn-cs"/>
+              </a:defRPr>
+            </a:lvl1pPr>
+            <a:lvl2pPr marL="457200" algn="l" defTabSz="914400" rtl="0" eaLnBrk="1" latinLnBrk="0" hangingPunct="1">
+              <a:defRPr sz="1800" kern="1200">
+                <a:solidFill>
+                  <a:schemeClr val="lt1"/>
+                </a:solidFill>
+                <a:latin typeface="+mn-lt"/>
+                <a:ea typeface="+mn-ea"/>
+                <a:cs typeface="+mn-cs"/>
+              </a:defRPr>
+            </a:lvl2pPr>
+            <a:lvl3pPr marL="914400" algn="l" defTabSz="914400" rtl="0" eaLnBrk="1" latinLnBrk="0" hangingPunct="1">
+              <a:defRPr sz="1800" kern="1200">
+                <a:solidFill>
+                  <a:schemeClr val="lt1"/>
+                </a:solidFill>
+                <a:latin typeface="+mn-lt"/>
+                <a:ea typeface="+mn-ea"/>
+                <a:cs typeface="+mn-cs"/>
+              </a:defRPr>
+            </a:lvl3pPr>
+            <a:lvl4pPr marL="1371600" algn="l" defTabSz="914400" rtl="0" eaLnBrk="1" latinLnBrk="0" hangingPunct="1">
+              <a:defRPr sz="1800" kern="1200">
+                <a:solidFill>
+                  <a:schemeClr val="lt1"/>
+                </a:solidFill>
+                <a:latin typeface="+mn-lt"/>
+                <a:ea typeface="+mn-ea"/>
+                <a:cs typeface="+mn-cs"/>
+              </a:defRPr>
+            </a:lvl4pPr>
+            <a:lvl5pPr marL="1828800" algn="l" defTabSz="914400" rtl="0" eaLnBrk="1" latinLnBrk="0" hangingPunct="1">
+              <a:defRPr sz="1800" kern="1200">
+                <a:solidFill>
+                  <a:schemeClr val="lt1"/>
+                </a:solidFill>
+                <a:latin typeface="+mn-lt"/>
+                <a:ea typeface="+mn-ea"/>
+                <a:cs typeface="+mn-cs"/>
+              </a:defRPr>
+            </a:lvl5pPr>
+            <a:lvl6pPr marL="2286000" algn="l" defTabSz="914400" rtl="0" eaLnBrk="1" latinLnBrk="0" hangingPunct="1">
+              <a:defRPr sz="1800" kern="1200">
+                <a:solidFill>
+                  <a:schemeClr val="lt1"/>
+                </a:solidFill>
+                <a:latin typeface="+mn-lt"/>
+                <a:ea typeface="+mn-ea"/>
+                <a:cs typeface="+mn-cs"/>
+              </a:defRPr>
+            </a:lvl6pPr>
+            <a:lvl7pPr marL="2743200" algn="l" defTabSz="914400" rtl="0" eaLnBrk="1" latinLnBrk="0" hangingPunct="1">
+              <a:defRPr sz="1800" kern="1200">
+                <a:solidFill>
+                  <a:schemeClr val="lt1"/>
+                </a:solidFill>
+                <a:latin typeface="+mn-lt"/>
+                <a:ea typeface="+mn-ea"/>
+                <a:cs typeface="+mn-cs"/>
+              </a:defRPr>
+            </a:lvl7pPr>
+            <a:lvl8pPr marL="3200400" algn="l" defTabSz="914400" rtl="0" eaLnBrk="1" latinLnBrk="0" hangingPunct="1">
+              <a:defRPr sz="1800" kern="1200">
+                <a:solidFill>
+                  <a:schemeClr val="lt1"/>
+                </a:solidFill>
+                <a:latin typeface="+mn-lt"/>
+                <a:ea typeface="+mn-ea"/>
+                <a:cs typeface="+mn-cs"/>
+              </a:defRPr>
+            </a:lvl8pPr>
+            <a:lvl9pPr marL="3657600" algn="l" defTabSz="914400" rtl="0" eaLnBrk="1" latinLnBrk="0" hangingPunct="1">
+              <a:defRPr sz="1800" kern="1200">
+                <a:solidFill>
+                  <a:schemeClr val="lt1"/>
+                </a:solidFill>
+                <a:latin typeface="+mn-lt"/>
+                <a:ea typeface="+mn-ea"/>
+                <a:cs typeface="+mn-cs"/>
+              </a:defRPr>
+            </a:lvl9pPr>
+          </a:lstStyle>
+          <a:p>
+            <a:pPr algn="ctr"/>
+            <a:r>
+              <a:rPr lang="fr-FR" sz="1400" dirty="0"/>
+              <a:t>3</a:t>
+            </a:r>
+          </a:p>
+        </p:txBody>
+      </p:sp>
+      <p:sp>
+        <p:nvSpPr>
+          <p:cNvPr id="28" name="Rectangle : coins arrondis 4">
+            <a:extLst>
+              <a:ext uri="{FF2B5EF4-FFF2-40B4-BE49-F238E27FC236}">
+                <a16:creationId xmlns:a16="http://schemas.microsoft.com/office/drawing/2014/main" id="{8BED20C6-9D9F-4B50-F951-4B4ED3873C0D}"/>
+              </a:ext>
+            </a:extLst>
+          </p:cNvPr>
+          <p:cNvSpPr/>
+          <p:nvPr/>
+        </p:nvSpPr>
+        <p:spPr>
+          <a:xfrm>
+            <a:off x="8446947" y="1627478"/>
+            <a:ext cx="195803" cy="166442"/>
+          </a:xfrm>
+          <a:prstGeom prst="roundRect">
+            <a:avLst/>
+          </a:prstGeom>
+          <a:solidFill>
+            <a:schemeClr val="accent5"/>
+          </a:solidFill>
+        </p:spPr>
+        <p:style>
+          <a:lnRef idx="2">
+            <a:schemeClr val="accent1">
+              <a:shade val="15000"/>
+            </a:schemeClr>
+          </a:lnRef>
+          <a:fillRef idx="1">
+            <a:schemeClr val="accent1"/>
+          </a:fillRef>
+          <a:effectRef idx="0">
+            <a:schemeClr val="accent1"/>
+          </a:effectRef>
+          <a:fontRef idx="minor">
+            <a:schemeClr val="lt1"/>
+          </a:fontRef>
+        </p:style>
+        <p:txBody>
+          <a:bodyPr rtlCol="0" anchor="ctr"/>
+          <a:lstStyle>
+            <a:defPPr>
+              <a:defRPr lang="fr-FR"/>
+            </a:defPPr>
+            <a:lvl1pPr marL="0" algn="l" defTabSz="914400" rtl="0" eaLnBrk="1" latinLnBrk="0" hangingPunct="1">
+              <a:defRPr sz="1800" kern="1200">
+                <a:solidFill>
+                  <a:schemeClr val="lt1"/>
+                </a:solidFill>
+                <a:latin typeface="+mn-lt"/>
+                <a:ea typeface="+mn-ea"/>
+                <a:cs typeface="+mn-cs"/>
+              </a:defRPr>
+            </a:lvl1pPr>
+            <a:lvl2pPr marL="457200" algn="l" defTabSz="914400" rtl="0" eaLnBrk="1" latinLnBrk="0" hangingPunct="1">
+              <a:defRPr sz="1800" kern="1200">
+                <a:solidFill>
+                  <a:schemeClr val="lt1"/>
+                </a:solidFill>
+                <a:latin typeface="+mn-lt"/>
+                <a:ea typeface="+mn-ea"/>
+                <a:cs typeface="+mn-cs"/>
+              </a:defRPr>
+            </a:lvl2pPr>
+            <a:lvl3pPr marL="914400" algn="l" defTabSz="914400" rtl="0" eaLnBrk="1" latinLnBrk="0" hangingPunct="1">
+              <a:defRPr sz="1800" kern="1200">
+                <a:solidFill>
+                  <a:schemeClr val="lt1"/>
+                </a:solidFill>
+                <a:latin typeface="+mn-lt"/>
+                <a:ea typeface="+mn-ea"/>
+                <a:cs typeface="+mn-cs"/>
+              </a:defRPr>
+            </a:lvl3pPr>
+            <a:lvl4pPr marL="1371600" algn="l" defTabSz="914400" rtl="0" eaLnBrk="1" latinLnBrk="0" hangingPunct="1">
+              <a:defRPr sz="1800" kern="1200">
+                <a:solidFill>
+                  <a:schemeClr val="lt1"/>
+                </a:solidFill>
+                <a:latin typeface="+mn-lt"/>
+                <a:ea typeface="+mn-ea"/>
+                <a:cs typeface="+mn-cs"/>
+              </a:defRPr>
+            </a:lvl4pPr>
+            <a:lvl5pPr marL="1828800" algn="l" defTabSz="914400" rtl="0" eaLnBrk="1" latinLnBrk="0" hangingPunct="1">
+              <a:defRPr sz="1800" kern="1200">
+                <a:solidFill>
+                  <a:schemeClr val="lt1"/>
+                </a:solidFill>
+                <a:latin typeface="+mn-lt"/>
+                <a:ea typeface="+mn-ea"/>
+                <a:cs typeface="+mn-cs"/>
+              </a:defRPr>
+            </a:lvl5pPr>
+            <a:lvl6pPr marL="2286000" algn="l" defTabSz="914400" rtl="0" eaLnBrk="1" latinLnBrk="0" hangingPunct="1">
+              <a:defRPr sz="1800" kern="1200">
+                <a:solidFill>
+                  <a:schemeClr val="lt1"/>
+                </a:solidFill>
+                <a:latin typeface="+mn-lt"/>
+                <a:ea typeface="+mn-ea"/>
+                <a:cs typeface="+mn-cs"/>
+              </a:defRPr>
+            </a:lvl6pPr>
+            <a:lvl7pPr marL="2743200" algn="l" defTabSz="914400" rtl="0" eaLnBrk="1" latinLnBrk="0" hangingPunct="1">
+              <a:defRPr sz="1800" kern="1200">
+                <a:solidFill>
+                  <a:schemeClr val="lt1"/>
+                </a:solidFill>
+                <a:latin typeface="+mn-lt"/>
+                <a:ea typeface="+mn-ea"/>
+                <a:cs typeface="+mn-cs"/>
+              </a:defRPr>
+            </a:lvl7pPr>
+            <a:lvl8pPr marL="3200400" algn="l" defTabSz="914400" rtl="0" eaLnBrk="1" latinLnBrk="0" hangingPunct="1">
+              <a:defRPr sz="1800" kern="1200">
+                <a:solidFill>
+                  <a:schemeClr val="lt1"/>
+                </a:solidFill>
+                <a:latin typeface="+mn-lt"/>
+                <a:ea typeface="+mn-ea"/>
+                <a:cs typeface="+mn-cs"/>
+              </a:defRPr>
+            </a:lvl8pPr>
+            <a:lvl9pPr marL="3657600" algn="l" defTabSz="914400" rtl="0" eaLnBrk="1" latinLnBrk="0" hangingPunct="1">
+              <a:defRPr sz="1800" kern="1200">
+                <a:solidFill>
+                  <a:schemeClr val="lt1"/>
+                </a:solidFill>
+                <a:latin typeface="+mn-lt"/>
+                <a:ea typeface="+mn-ea"/>
+                <a:cs typeface="+mn-cs"/>
+              </a:defRPr>
+            </a:lvl9pPr>
+          </a:lstStyle>
+          <a:p>
+            <a:pPr algn="ctr"/>
+            <a:r>
+              <a:rPr lang="fr-FR" sz="1400" dirty="0"/>
+              <a:t>2</a:t>
+            </a:r>
+          </a:p>
+        </p:txBody>
+      </p:sp>
+      <p:sp>
+        <p:nvSpPr>
+          <p:cNvPr id="29" name="Rectangle : coins arrondis 4">
+            <a:extLst>
+              <a:ext uri="{FF2B5EF4-FFF2-40B4-BE49-F238E27FC236}">
+                <a16:creationId xmlns:a16="http://schemas.microsoft.com/office/drawing/2014/main" id="{690C1765-6B1D-9928-13C9-DD4DD5C106F3}"/>
+              </a:ext>
+            </a:extLst>
+          </p:cNvPr>
+          <p:cNvSpPr/>
+          <p:nvPr/>
+        </p:nvSpPr>
+        <p:spPr>
+          <a:xfrm>
+            <a:off x="8457833" y="3345778"/>
+            <a:ext cx="195803" cy="166442"/>
+          </a:xfrm>
+          <a:prstGeom prst="roundRect">
+            <a:avLst/>
+          </a:prstGeom>
+          <a:solidFill>
+            <a:schemeClr val="accent5"/>
+          </a:solidFill>
+        </p:spPr>
+        <p:style>
+          <a:lnRef idx="2">
+            <a:schemeClr val="accent1">
+              <a:shade val="15000"/>
+            </a:schemeClr>
+          </a:lnRef>
+          <a:fillRef idx="1">
+            <a:schemeClr val="accent1"/>
+          </a:fillRef>
+          <a:effectRef idx="0">
+            <a:schemeClr val="accent1"/>
+          </a:effectRef>
+          <a:fontRef idx="minor">
+            <a:schemeClr val="lt1"/>
+          </a:fontRef>
+        </p:style>
+        <p:txBody>
+          <a:bodyPr rtlCol="0" anchor="ctr"/>
+          <a:lstStyle>
+            <a:defPPr>
+              <a:defRPr lang="fr-FR"/>
+            </a:defPPr>
+            <a:lvl1pPr marL="0" algn="l" defTabSz="914400" rtl="0" eaLnBrk="1" latinLnBrk="0" hangingPunct="1">
+              <a:defRPr sz="1800" kern="1200">
+                <a:solidFill>
+                  <a:schemeClr val="lt1"/>
+                </a:solidFill>
+                <a:latin typeface="+mn-lt"/>
+                <a:ea typeface="+mn-ea"/>
+                <a:cs typeface="+mn-cs"/>
+              </a:defRPr>
+            </a:lvl1pPr>
+            <a:lvl2pPr marL="457200" algn="l" defTabSz="914400" rtl="0" eaLnBrk="1" latinLnBrk="0" hangingPunct="1">
+              <a:defRPr sz="1800" kern="1200">
+                <a:solidFill>
+                  <a:schemeClr val="lt1"/>
+                </a:solidFill>
+                <a:latin typeface="+mn-lt"/>
+                <a:ea typeface="+mn-ea"/>
+                <a:cs typeface="+mn-cs"/>
+              </a:defRPr>
+            </a:lvl2pPr>
+            <a:lvl3pPr marL="914400" algn="l" defTabSz="914400" rtl="0" eaLnBrk="1" latinLnBrk="0" hangingPunct="1">
+              <a:defRPr sz="1800" kern="1200">
+                <a:solidFill>
+                  <a:schemeClr val="lt1"/>
+                </a:solidFill>
+                <a:latin typeface="+mn-lt"/>
+                <a:ea typeface="+mn-ea"/>
+                <a:cs typeface="+mn-cs"/>
+              </a:defRPr>
+            </a:lvl3pPr>
+            <a:lvl4pPr marL="1371600" algn="l" defTabSz="914400" rtl="0" eaLnBrk="1" latinLnBrk="0" hangingPunct="1">
+              <a:defRPr sz="1800" kern="1200">
+                <a:solidFill>
+                  <a:schemeClr val="lt1"/>
+                </a:solidFill>
+                <a:latin typeface="+mn-lt"/>
+                <a:ea typeface="+mn-ea"/>
+                <a:cs typeface="+mn-cs"/>
+              </a:defRPr>
+            </a:lvl4pPr>
+            <a:lvl5pPr marL="1828800" algn="l" defTabSz="914400" rtl="0" eaLnBrk="1" latinLnBrk="0" hangingPunct="1">
+              <a:defRPr sz="1800" kern="1200">
+                <a:solidFill>
+                  <a:schemeClr val="lt1"/>
+                </a:solidFill>
+                <a:latin typeface="+mn-lt"/>
+                <a:ea typeface="+mn-ea"/>
+                <a:cs typeface="+mn-cs"/>
+              </a:defRPr>
+            </a:lvl5pPr>
+            <a:lvl6pPr marL="2286000" algn="l" defTabSz="914400" rtl="0" eaLnBrk="1" latinLnBrk="0" hangingPunct="1">
+              <a:defRPr sz="1800" kern="1200">
+                <a:solidFill>
+                  <a:schemeClr val="lt1"/>
+                </a:solidFill>
+                <a:latin typeface="+mn-lt"/>
+                <a:ea typeface="+mn-ea"/>
+                <a:cs typeface="+mn-cs"/>
+              </a:defRPr>
+            </a:lvl6pPr>
+            <a:lvl7pPr marL="2743200" algn="l" defTabSz="914400" rtl="0" eaLnBrk="1" latinLnBrk="0" hangingPunct="1">
+              <a:defRPr sz="1800" kern="1200">
+                <a:solidFill>
+                  <a:schemeClr val="lt1"/>
+                </a:solidFill>
+                <a:latin typeface="+mn-lt"/>
+                <a:ea typeface="+mn-ea"/>
+                <a:cs typeface="+mn-cs"/>
+              </a:defRPr>
+            </a:lvl7pPr>
+            <a:lvl8pPr marL="3200400" algn="l" defTabSz="914400" rtl="0" eaLnBrk="1" latinLnBrk="0" hangingPunct="1">
+              <a:defRPr sz="1800" kern="1200">
+                <a:solidFill>
+                  <a:schemeClr val="lt1"/>
+                </a:solidFill>
+                <a:latin typeface="+mn-lt"/>
+                <a:ea typeface="+mn-ea"/>
+                <a:cs typeface="+mn-cs"/>
+              </a:defRPr>
+            </a:lvl8pPr>
+            <a:lvl9pPr marL="3657600" algn="l" defTabSz="914400" rtl="0" eaLnBrk="1" latinLnBrk="0" hangingPunct="1">
+              <a:defRPr sz="1800" kern="1200">
+                <a:solidFill>
+                  <a:schemeClr val="lt1"/>
+                </a:solidFill>
+                <a:latin typeface="+mn-lt"/>
+                <a:ea typeface="+mn-ea"/>
+                <a:cs typeface="+mn-cs"/>
+              </a:defRPr>
+            </a:lvl9pPr>
+          </a:lstStyle>
+          <a:p>
+            <a:pPr algn="ctr"/>
+            <a:r>
+              <a:rPr lang="fr-FR" sz="1400" dirty="0"/>
+              <a:t>4</a:t>
+            </a:r>
+          </a:p>
+        </p:txBody>
+      </p:sp>
+    </p:spTree>
+    <p:extLst>
+      <p:ext uri="{BB962C8B-B14F-4D97-AF65-F5344CB8AC3E}">
+        <p14:creationId xmlns:p14="http://schemas.microsoft.com/office/powerpoint/2010/main" val="1282569333"/>
       </p:ext>
     </p:extLst>
   </p:cSld>
